--- a/Syntax_Quest.pptx
+++ b/Syntax_Quest.pptx
@@ -126,6 +126,9 @@
         </p14:section>
       </p14:sectionLst>
     </p:ext>
+    <p:ext uri="{EFAFB233-063F-42B5-8137-9DF3F51BA10A}">
+      <p15:sldGuideLst xmlns:p15="http://schemas.microsoft.com/office/powerpoint/2012/main"/>
+    </p:ext>
   </p:extLst>
 </p:presentation>
 </file>
@@ -198,7 +201,7 @@
           <a:p>
             <a:fld id="{16FB7D69-4BC7-40A8-81EA-9015F8645817}" type="datetimeFigureOut">
               <a:rPr lang="hu-HU" smtClean="0"/>
-              <a:t>2024. 03. 20.</a:t>
+              <a:t>2024. 03. 21.</a:t>
             </a:fld>
             <a:endParaRPr lang="hu-HU"/>
           </a:p>
@@ -439,7 +442,7 @@
           <a:p>
             <a:fld id="{16FB7D69-4BC7-40A8-81EA-9015F8645817}" type="datetimeFigureOut">
               <a:rPr lang="hu-HU" smtClean="0"/>
-              <a:t>2024. 03. 20.</a:t>
+              <a:t>2024. 03. 21.</a:t>
             </a:fld>
             <a:endParaRPr lang="hu-HU"/>
           </a:p>
@@ -1077,7 +1080,7 @@
         </p:nvSpPr>
         <p:spPr>
           <a:xfrm>
-            <a:off x="876300" y="1527047"/>
+            <a:off x="838200" y="2487167"/>
             <a:ext cx="10439400" cy="3693319"/>
           </a:xfrm>
           <a:prstGeom prst="rect">
@@ -1282,6 +1285,250 @@
               <a:t>) és ellenőrzése</a:t>
             </a:r>
             <a:endParaRPr lang="en-US" dirty="0"/>
+          </a:p>
+        </p:txBody>
+      </p:sp>
+      <p:sp>
+        <p:nvSpPr>
+          <p:cNvPr id="3" name="Szövegdoboz 2">
+            <a:extLst>
+              <a:ext uri="{FF2B5EF4-FFF2-40B4-BE49-F238E27FC236}">
+                <a16:creationId xmlns:a16="http://schemas.microsoft.com/office/drawing/2014/main" id="{179FBFB0-2C51-52F3-AF0D-0B7F984B360A}"/>
+              </a:ext>
+            </a:extLst>
+          </p:cNvPr>
+          <p:cNvSpPr txBox="1"/>
+          <p:nvPr/>
+        </p:nvSpPr>
+        <p:spPr>
+          <a:xfrm>
+            <a:off x="923544" y="1444752"/>
+            <a:ext cx="10040112" cy="738664"/>
+          </a:xfrm>
+          <a:prstGeom prst="rect">
+            <a:avLst/>
+          </a:prstGeom>
+          <a:noFill/>
+        </p:spPr>
+        <p:txBody>
+          <a:bodyPr wrap="square" rtlCol="0">
+            <a:spAutoFit/>
+          </a:bodyPr>
+          <a:lstStyle/>
+          <a:p>
+            <a:pPr algn="just"/>
+            <a:r>
+              <a:rPr lang="en-US" sz="1400" dirty="0"/>
+              <a:t>Az Entity Framework (EF) </a:t>
+            </a:r>
+            <a:r>
+              <a:rPr lang="en-US" sz="1400" dirty="0" err="1"/>
+              <a:t>egy</a:t>
+            </a:r>
+            <a:r>
+              <a:rPr lang="en-US" sz="1400" dirty="0"/>
+              <a:t> </a:t>
+            </a:r>
+            <a:r>
+              <a:rPr lang="en-US" sz="1400" dirty="0" err="1"/>
+              <a:t>kényelmes</a:t>
+            </a:r>
+            <a:r>
+              <a:rPr lang="en-US" sz="1400" dirty="0"/>
+              <a:t> </a:t>
+            </a:r>
+            <a:r>
+              <a:rPr lang="en-US" sz="1400" dirty="0" err="1"/>
+              <a:t>és</a:t>
+            </a:r>
+            <a:r>
+              <a:rPr lang="en-US" sz="1400" dirty="0"/>
+              <a:t> </a:t>
+            </a:r>
+            <a:r>
+              <a:rPr lang="en-US" sz="1400" dirty="0" err="1"/>
+              <a:t>hatékony</a:t>
+            </a:r>
+            <a:r>
+              <a:rPr lang="en-US" sz="1400" dirty="0"/>
+              <a:t> </a:t>
+            </a:r>
+            <a:r>
+              <a:rPr lang="en-US" sz="1400" dirty="0" err="1"/>
+              <a:t>objektum-relációs</a:t>
+            </a:r>
+            <a:r>
+              <a:rPr lang="en-US" sz="1400" dirty="0"/>
+              <a:t> </a:t>
+            </a:r>
+            <a:r>
+              <a:rPr lang="en-US" sz="1400" dirty="0" err="1"/>
+              <a:t>leképzési</a:t>
+            </a:r>
+            <a:r>
+              <a:rPr lang="en-US" sz="1400" dirty="0"/>
+              <a:t> (ORM) </a:t>
+            </a:r>
+            <a:r>
+              <a:rPr lang="en-US" sz="1400" dirty="0" err="1"/>
+              <a:t>eszköz</a:t>
+            </a:r>
+            <a:r>
+              <a:rPr lang="en-US" sz="1400" dirty="0"/>
+              <a:t> a .NET </a:t>
+            </a:r>
+            <a:r>
+              <a:rPr lang="en-US" sz="1400" dirty="0" err="1"/>
+              <a:t>fejlesztők</a:t>
+            </a:r>
+            <a:r>
+              <a:rPr lang="en-US" sz="1400" dirty="0"/>
+              <a:t> </a:t>
+            </a:r>
+            <a:r>
+              <a:rPr lang="en-US" sz="1400" dirty="0" err="1"/>
+              <a:t>számára</a:t>
+            </a:r>
+            <a:r>
+              <a:rPr lang="en-US" sz="1400" dirty="0"/>
+              <a:t>. Az EF </a:t>
+            </a:r>
+            <a:r>
+              <a:rPr lang="en-US" sz="1400" dirty="0" err="1"/>
+              <a:t>lehetővé</a:t>
+            </a:r>
+            <a:r>
+              <a:rPr lang="en-US" sz="1400" dirty="0"/>
+              <a:t> </a:t>
+            </a:r>
+            <a:r>
+              <a:rPr lang="en-US" sz="1400" dirty="0" err="1"/>
+              <a:t>teszi</a:t>
+            </a:r>
+            <a:r>
+              <a:rPr lang="en-US" sz="1400" dirty="0"/>
+              <a:t> </a:t>
+            </a:r>
+            <a:r>
+              <a:rPr lang="en-US" sz="1400" dirty="0" err="1"/>
+              <a:t>az</a:t>
+            </a:r>
+            <a:r>
+              <a:rPr lang="en-US" sz="1400" dirty="0"/>
+              <a:t> </a:t>
+            </a:r>
+            <a:r>
+              <a:rPr lang="en-US" sz="1400" dirty="0" err="1"/>
+              <a:t>alkalmazások</a:t>
+            </a:r>
+            <a:r>
+              <a:rPr lang="en-US" sz="1400" dirty="0"/>
+              <a:t> </a:t>
+            </a:r>
+            <a:r>
+              <a:rPr lang="en-US" sz="1400" dirty="0" err="1"/>
+              <a:t>számára</a:t>
+            </a:r>
+            <a:r>
+              <a:rPr lang="en-US" sz="1400" dirty="0"/>
+              <a:t>, </a:t>
+            </a:r>
+            <a:r>
+              <a:rPr lang="en-US" sz="1400" dirty="0" err="1"/>
+              <a:t>hogy</a:t>
+            </a:r>
+            <a:r>
+              <a:rPr lang="en-US" sz="1400" dirty="0"/>
+              <a:t> </a:t>
+            </a:r>
+            <a:r>
+              <a:rPr lang="en-US" sz="1400" dirty="0" err="1"/>
+              <a:t>objektumorientált</a:t>
+            </a:r>
+            <a:r>
+              <a:rPr lang="en-US" sz="1400" dirty="0"/>
+              <a:t> </a:t>
+            </a:r>
+            <a:r>
+              <a:rPr lang="en-US" sz="1400" dirty="0" err="1"/>
+              <a:t>módon</a:t>
+            </a:r>
+            <a:r>
+              <a:rPr lang="en-US" sz="1400" dirty="0"/>
+              <a:t> </a:t>
+            </a:r>
+            <a:r>
+              <a:rPr lang="en-US" sz="1400" dirty="0" err="1"/>
+              <a:t>dolgozzanak</a:t>
+            </a:r>
+            <a:r>
+              <a:rPr lang="en-US" sz="1400" dirty="0"/>
+              <a:t> </a:t>
+            </a:r>
+            <a:r>
+              <a:rPr lang="en-US" sz="1400" dirty="0" err="1"/>
+              <a:t>az</a:t>
+            </a:r>
+            <a:r>
+              <a:rPr lang="en-US" sz="1400" dirty="0"/>
+              <a:t> </a:t>
+            </a:r>
+            <a:r>
+              <a:rPr lang="en-US" sz="1400" dirty="0" err="1"/>
+              <a:t>adatbázisokkal</a:t>
+            </a:r>
+            <a:r>
+              <a:rPr lang="en-US" sz="1400" dirty="0"/>
+              <a:t> </a:t>
+            </a:r>
+            <a:r>
+              <a:rPr lang="en-US" sz="1400" dirty="0" err="1"/>
+              <a:t>anélkül</a:t>
+            </a:r>
+            <a:r>
+              <a:rPr lang="en-US" sz="1400" dirty="0"/>
+              <a:t>, </a:t>
+            </a:r>
+            <a:r>
+              <a:rPr lang="en-US" sz="1400" dirty="0" err="1"/>
+              <a:t>hogy</a:t>
+            </a:r>
+            <a:r>
+              <a:rPr lang="en-US" sz="1400" dirty="0"/>
+              <a:t> </a:t>
+            </a:r>
+            <a:r>
+              <a:rPr lang="en-US" sz="1400" dirty="0" err="1"/>
+              <a:t>közvetlenül</a:t>
+            </a:r>
+            <a:r>
+              <a:rPr lang="en-US" sz="1400" dirty="0"/>
+              <a:t> SQL </a:t>
+            </a:r>
+            <a:r>
+              <a:rPr lang="en-US" sz="1400" dirty="0" err="1"/>
+              <a:t>lekérdezéseket</a:t>
+            </a:r>
+            <a:r>
+              <a:rPr lang="en-US" sz="1400" dirty="0"/>
+              <a:t> </a:t>
+            </a:r>
+            <a:r>
+              <a:rPr lang="en-US" sz="1400" dirty="0" err="1"/>
+              <a:t>kellene</a:t>
+            </a:r>
+            <a:r>
+              <a:rPr lang="en-US" sz="1400" dirty="0"/>
+              <a:t> </a:t>
+            </a:r>
+            <a:r>
+              <a:rPr lang="en-US" sz="1400" dirty="0" err="1"/>
+              <a:t>írniuk</a:t>
+            </a:r>
+            <a:r>
+              <a:rPr lang="en-US" sz="1400" dirty="0"/>
+              <a:t>.</a:t>
+            </a:r>
           </a:p>
         </p:txBody>
       </p:sp>
